--- a/課堂資料/Week_1-3/Cloud-Computing_Introduction.pptx
+++ b/課堂資料/Week_1-3/Cloud-Computing_Introduction.pptx
@@ -266,7 +266,7 @@
       <p15:sldGuideLst xmlns:p15="http://schemas.microsoft.com/office/powerpoint/2012/main"/>
     </p:ext>
     <p:ext uri="http://customooxmlschemas.google.com/">
-      <go:slidesCustomData xmlns:go="http://customooxmlschemas.google.com/" xmlns:ahyp="http://schemas.microsoft.com/office/drawing/2018/hyperlinkcolor" xmlns:p15="http://schemas.microsoft.com/office/powerpoint/2012/main" xmlns:p14="http://schemas.microsoft.com/office/powerpoint/2010/main" xmlns:com="http://schemas.openxmlformats.org/drawingml/2006/compatibility" xmlns:pvml="urn:schemas-microsoft-com:office:powerpoint" xmlns:v="urn:schemas-microsoft-com:vml" xmlns:o="urn:schemas-microsoft-com:office:office" xmlns:dgm="http://schemas.openxmlformats.org/drawingml/2006/diagram" xmlns:c="http://schemas.openxmlformats.org/drawingml/2006/chart" xmlns:mv="urn:schemas-microsoft-com:mac:vml" xmlns:mc="http://schemas.openxmlformats.org/markup-compatibility/2006" xmlns="" r:id="rId24" roundtripDataSignature="AMtx7mhaURyXtlStLxjncDesv8B0N60iDg=="/>
+      <go:slidesCustomData xmlns="" xmlns:mc="http://schemas.openxmlformats.org/markup-compatibility/2006" xmlns:mv="urn:schemas-microsoft-com:mac:vml" xmlns:c="http://schemas.openxmlformats.org/drawingml/2006/chart" xmlns:dgm="http://schemas.openxmlformats.org/drawingml/2006/diagram" xmlns:o="urn:schemas-microsoft-com:office:office" xmlns:v="urn:schemas-microsoft-com:vml" xmlns:pvml="urn:schemas-microsoft-com:office:powerpoint" xmlns:com="http://schemas.openxmlformats.org/drawingml/2006/compatibility" xmlns:p14="http://schemas.microsoft.com/office/powerpoint/2010/main" xmlns:p15="http://schemas.microsoft.com/office/powerpoint/2012/main" xmlns:ahyp="http://schemas.microsoft.com/office/drawing/2018/hyperlinkcolor" xmlns:go="http://customooxmlschemas.google.com/" r:id="rId24" roundtripDataSignature="AMtx7mhaURyXtlStLxjncDesv8B0N60iDg=="/>
     </p:ext>
   </p:extLst>
 </p:presentation>
@@ -1716,8 +1716,8 @@
         </p:nvSpPr>
         <p:spPr>
           <a:xfrm>
-            <a:off x="1143225" y="685800"/>
-            <a:ext cx="4572225" cy="3429000"/>
+            <a:off x="381000" y="685800"/>
+            <a:ext cx="6096000" cy="3429000"/>
           </a:xfrm>
           <a:custGeom>
             <a:avLst/>
@@ -17745,7 +17745,7 @@
               <a:buNone/>
             </a:pPr>
             <a:r>
-              <a:rPr lang="en-US" sz="5400" b="0" i="0" u="none" strike="noStrike" cap="none">
+              <a:rPr lang="en-US" sz="5400" b="0" i="0" u="none" strike="noStrike" cap="none" dirty="0" err="1">
                 <a:solidFill>
                   <a:srgbClr val="FFFFFF"/>
                 </a:solidFill>
@@ -17754,10 +17754,22 @@
                 <a:cs typeface="Arial"/>
                 <a:sym typeface="Arial"/>
               </a:rPr>
-              <a:t>作業 </a:t>
+              <a:t>作業</a:t>
             </a:r>
             <a:r>
-              <a:rPr lang="en-US" sz="5400">
+              <a:rPr lang="en-US" sz="5400" b="0" i="0" u="none" strike="noStrike" cap="none" dirty="0">
+                <a:solidFill>
+                  <a:srgbClr val="FFFFFF"/>
+                </a:solidFill>
+                <a:latin typeface="Arial"/>
+                <a:ea typeface="Arial"/>
+                <a:cs typeface="Arial"/>
+                <a:sym typeface="Arial"/>
+              </a:rPr>
+              <a:t> </a:t>
+            </a:r>
+            <a:r>
+              <a:rPr lang="en-US" sz="5400" dirty="0">
                 <a:solidFill>
                   <a:srgbClr val="FFFFFF"/>
                 </a:solidFill>
@@ -17769,7 +17781,7 @@
               <a:t>6</a:t>
             </a:r>
             <a:r>
-              <a:rPr lang="en-US" sz="5400" b="0" i="0" u="none" strike="noStrike" cap="none">
+              <a:rPr lang="en-US" sz="5400" b="0" i="0" u="none" strike="noStrike" cap="none" dirty="0">
                 <a:solidFill>
                   <a:srgbClr val="FFFFFF"/>
                 </a:solidFill>
@@ -17780,73 +17792,7 @@
               </a:rPr>
               <a:t>:</a:t>
             </a:r>
-            <a:endParaRPr sz="5400" b="0" i="0" u="none" strike="noStrike" cap="none">
-              <a:solidFill>
-                <a:srgbClr val="FFFFFF"/>
-              </a:solidFill>
-              <a:latin typeface="Arial"/>
-              <a:ea typeface="Arial"/>
-              <a:cs typeface="Arial"/>
-              <a:sym typeface="Arial"/>
-            </a:endParaRPr>
-          </a:p>
-        </p:txBody>
-      </p:sp>
-      <p:sp>
-        <p:nvSpPr>
-          <p:cNvPr id="223" name="Google Shape;223;p16"/>
-          <p:cNvSpPr txBox="1"/>
-          <p:nvPr/>
-        </p:nvSpPr>
-        <p:spPr>
-          <a:xfrm>
-            <a:off x="355600" y="6011902"/>
-            <a:ext cx="11480800" cy="553998"/>
-          </a:xfrm>
-          <a:prstGeom prst="rect">
-            <a:avLst/>
-          </a:prstGeom>
-          <a:noFill/>
-          <a:ln>
-            <a:noFill/>
-          </a:ln>
-        </p:spPr>
-        <p:txBody>
-          <a:bodyPr spcFirstLastPara="1" wrap="square" lIns="91425" tIns="45700" rIns="91425" bIns="45700" anchor="t" anchorCtr="0">
-            <a:spAutoFit/>
-          </a:bodyPr>
-          <a:lstStyle/>
-          <a:p>
-            <a:pPr marL="0" marR="0" lvl="0" indent="0" algn="l" rtl="0">
-              <a:lnSpc>
-                <a:spcPct val="100000"/>
-              </a:lnSpc>
-              <a:spcBef>
-                <a:spcPts val="0"/>
-              </a:spcBef>
-              <a:spcAft>
-                <a:spcPts val="0"/>
-              </a:spcAft>
-              <a:buClr>
-                <a:srgbClr val="FFFFFF"/>
-              </a:buClr>
-              <a:buSzPts val="3000"/>
-              <a:buFont typeface="Arial"/>
-              <a:buNone/>
-            </a:pPr>
-            <a:r>
-              <a:rPr lang="en-US" sz="3000" b="0" i="0" u="none" strike="noStrike" cap="none">
-                <a:solidFill>
-                  <a:srgbClr val="FFFFFF"/>
-                </a:solidFill>
-                <a:latin typeface="Arial"/>
-                <a:ea typeface="Arial"/>
-                <a:cs typeface="Arial"/>
-                <a:sym typeface="Arial"/>
-              </a:rPr>
-              <a:t>截止日期：</a:t>
-            </a:r>
-            <a:endParaRPr sz="3000" b="0" i="0" u="none" strike="noStrike" cap="none">
+            <a:endParaRPr sz="5400" b="0" i="0" u="none" strike="noStrike" cap="none" dirty="0">
               <a:solidFill>
                 <a:srgbClr val="FFFFFF"/>
               </a:solidFill>
@@ -17866,8 +17812,8 @@
         </p:nvSpPr>
         <p:spPr>
           <a:xfrm>
-            <a:off x="8534400" y="1859820"/>
-            <a:ext cx="3657600" cy="4484882"/>
+            <a:off x="8534400" y="2806940"/>
+            <a:ext cx="3657600" cy="2646838"/>
           </a:xfrm>
           <a:prstGeom prst="rect">
             <a:avLst/>
@@ -18030,105 +17976,6 @@
             </a:r>
             <a:endParaRPr dirty="0"/>
           </a:p>
-          <a:p>
-            <a:pPr marL="0" marR="0" lvl="0" indent="0" algn="l" rtl="0">
-              <a:lnSpc>
-                <a:spcPct val="150000"/>
-              </a:lnSpc>
-              <a:spcBef>
-                <a:spcPts val="0"/>
-              </a:spcBef>
-              <a:spcAft>
-                <a:spcPts val="0"/>
-              </a:spcAft>
-              <a:buNone/>
-            </a:pPr>
-            <a:r>
-              <a:rPr lang="en-US" sz="2800" dirty="0">
-                <a:solidFill>
-                  <a:srgbClr val="FFFFFF"/>
-                </a:solidFill>
-                <a:latin typeface="Arial"/>
-                <a:ea typeface="Arial"/>
-                <a:cs typeface="Arial"/>
-                <a:sym typeface="Arial"/>
-              </a:rPr>
-              <a:t>Or</a:t>
-            </a:r>
-            <a:endParaRPr dirty="0"/>
-          </a:p>
-          <a:p>
-            <a:pPr marL="457200" marR="0" lvl="0" indent="-457200" algn="l" rtl="0">
-              <a:lnSpc>
-                <a:spcPct val="150000"/>
-              </a:lnSpc>
-              <a:spcBef>
-                <a:spcPts val="0"/>
-              </a:spcBef>
-              <a:spcAft>
-                <a:spcPts val="0"/>
-              </a:spcAft>
-              <a:buClr>
-                <a:srgbClr val="FFFFFF"/>
-              </a:buClr>
-              <a:buSzPts val="2800"/>
-              <a:buFont typeface="Arial"/>
-              <a:buChar char="•"/>
-            </a:pPr>
-            <a:r>
-              <a:rPr lang="en-US" sz="2800" dirty="0">
-                <a:solidFill>
-                  <a:srgbClr val="FFFFFF"/>
-                </a:solidFill>
-                <a:latin typeface="Arial"/>
-                <a:ea typeface="Arial"/>
-                <a:cs typeface="Arial"/>
-                <a:sym typeface="Arial"/>
-              </a:rPr>
-              <a:t>DEMO        8%</a:t>
-            </a:r>
-            <a:endParaRPr dirty="0"/>
-          </a:p>
-          <a:p>
-            <a:pPr marL="457200" marR="0" lvl="0" indent="-457200" algn="l" rtl="0">
-              <a:lnSpc>
-                <a:spcPct val="150000"/>
-              </a:lnSpc>
-              <a:spcBef>
-                <a:spcPts val="0"/>
-              </a:spcBef>
-              <a:spcAft>
-                <a:spcPts val="0"/>
-              </a:spcAft>
-              <a:buClr>
-                <a:srgbClr val="FFFFFF"/>
-              </a:buClr>
-              <a:buSzPts val="2800"/>
-              <a:buFont typeface="Arial"/>
-              <a:buChar char="•"/>
-            </a:pPr>
-            <a:r>
-              <a:rPr lang="en-US" sz="2800" dirty="0">
-                <a:solidFill>
-                  <a:srgbClr val="FFFFFF"/>
-                </a:solidFill>
-                <a:latin typeface="Arial"/>
-                <a:ea typeface="Arial"/>
-                <a:cs typeface="Arial"/>
-                <a:sym typeface="Arial"/>
-              </a:rPr>
-              <a:t>Description 2%</a:t>
-            </a:r>
-            <a:endParaRPr sz="2800" dirty="0">
-              <a:solidFill>
-                <a:srgbClr val="FFFFFF"/>
-              </a:solidFill>
-              <a:latin typeface="Arial"/>
-              <a:ea typeface="Arial"/>
-              <a:cs typeface="Arial"/>
-              <a:sym typeface="Arial"/>
-            </a:endParaRPr>
-          </a:p>
         </p:txBody>
       </p:sp>
       <p:sp>
@@ -18139,8 +17986,8 @@
         </p:nvSpPr>
         <p:spPr>
           <a:xfrm>
-            <a:off x="368300" y="1859820"/>
-            <a:ext cx="7874000" cy="3838551"/>
+            <a:off x="368300" y="1782415"/>
+            <a:ext cx="7874000" cy="3293169"/>
           </a:xfrm>
           <a:prstGeom prst="rect">
             <a:avLst/>
@@ -18174,7 +18021,7 @@
               <a:buNone/>
             </a:pPr>
             <a:r>
-              <a:rPr lang="en-US" sz="4000" b="0" i="0" u="none" strike="noStrike" cap="none">
+              <a:rPr lang="en-US" sz="4000" b="0" i="0" u="none" strike="noStrike" cap="none" dirty="0" err="1">
                 <a:solidFill>
                   <a:srgbClr val="FFFFFF"/>
                 </a:solidFill>
@@ -18186,7 +18033,7 @@
               <a:t>說明</a:t>
             </a:r>
             <a:r>
-              <a:rPr lang="en-US" sz="2800" b="0" i="0" u="none" strike="noStrike" cap="none">
+              <a:rPr lang="en-US" sz="2800" b="0" i="0" u="none" strike="noStrike" cap="none" dirty="0">
                 <a:solidFill>
                   <a:srgbClr val="FFFFFF"/>
                 </a:solidFill>
@@ -18197,7 +18044,7 @@
               </a:rPr>
               <a:t>：</a:t>
             </a:r>
-            <a:endParaRPr sz="2800" b="0" i="0" u="none" strike="noStrike" cap="none">
+            <a:endParaRPr sz="2800" b="0" i="0" u="none" strike="noStrike" cap="none" dirty="0">
               <a:solidFill>
                 <a:srgbClr val="FFFFFF"/>
               </a:solidFill>
@@ -18226,7 +18073,7 @@
               <a:buNone/>
             </a:pPr>
             <a:r>
-              <a:rPr lang="en-US" sz="2800" b="0" i="0" u="none" strike="noStrike" cap="none">
+              <a:rPr lang="en-US" sz="2800" b="0" i="0" u="none" strike="noStrike" cap="none" dirty="0" err="1">
                 <a:solidFill>
                   <a:srgbClr val="FFFFFF"/>
                 </a:solidFill>
@@ -18235,10 +18082,22 @@
                 <a:cs typeface="Arial"/>
                 <a:sym typeface="Arial"/>
               </a:rPr>
-              <a:t>在完成第 </a:t>
+              <a:t>在完成第</a:t>
             </a:r>
             <a:r>
-              <a:rPr lang="en-US" sz="2800">
+              <a:rPr lang="en-US" sz="2800" b="0" i="0" u="none" strike="noStrike" cap="none" dirty="0">
+                <a:solidFill>
+                  <a:srgbClr val="FFFFFF"/>
+                </a:solidFill>
+                <a:latin typeface="Arial"/>
+                <a:ea typeface="Arial"/>
+                <a:cs typeface="Arial"/>
+                <a:sym typeface="Arial"/>
+              </a:rPr>
+              <a:t> </a:t>
+            </a:r>
+            <a:r>
+              <a:rPr lang="en-US" sz="2800" dirty="0">
                 <a:solidFill>
                   <a:srgbClr val="FFFFFF"/>
                 </a:solidFill>
@@ -18250,7 +18109,7 @@
               <a:t>6</a:t>
             </a:r>
             <a:r>
-              <a:rPr lang="en-US" sz="2800" b="0" i="0" u="none" strike="noStrike" cap="none">
+              <a:rPr lang="en-US" sz="2800" b="0" i="0" u="none" strike="noStrike" cap="none" dirty="0">
                 <a:solidFill>
                   <a:srgbClr val="FFFFFF"/>
                 </a:solidFill>
@@ -18259,10 +18118,10 @@
                 <a:cs typeface="Arial"/>
                 <a:sym typeface="Arial"/>
               </a:rPr>
-              <a:t> 堂雲端服務課程後，透過 Docker 建立 Image</a:t>
+              <a:t> </a:t>
             </a:r>
             <a:r>
-              <a:rPr lang="en-US" sz="2800">
+              <a:rPr lang="en-US" sz="2800" b="0" i="0" u="none" strike="noStrike" cap="none" dirty="0" err="1">
                 <a:solidFill>
                   <a:srgbClr val="FFFFFF"/>
                 </a:solidFill>
@@ -18271,38 +18130,10 @@
                 <a:cs typeface="Arial"/>
                 <a:sym typeface="Arial"/>
               </a:rPr>
-              <a:t>，並執行該 Container，其內容可以是程序執行、各種伺服器服務等，並上傳至 Docker Hub。或您也可以選擇演示操作您的專案成品。</a:t>
+              <a:t>堂雲端服務課程後，透過</a:t>
             </a:r>
-            <a:endParaRPr sz="2800" b="0" i="0" u="none" strike="noStrike" cap="none">
-              <a:solidFill>
-                <a:srgbClr val="FFFFFF"/>
-              </a:solidFill>
-              <a:latin typeface="Arial"/>
-              <a:ea typeface="Arial"/>
-              <a:cs typeface="Arial"/>
-              <a:sym typeface="Arial"/>
-            </a:endParaRPr>
-          </a:p>
-          <a:p>
-            <a:pPr marL="0" marR="0" lvl="0" indent="0" algn="l" rtl="0">
-              <a:lnSpc>
-                <a:spcPct val="150000"/>
-              </a:lnSpc>
-              <a:spcBef>
-                <a:spcPts val="0"/>
-              </a:spcBef>
-              <a:spcAft>
-                <a:spcPts val="0"/>
-              </a:spcAft>
-              <a:buClr>
-                <a:srgbClr val="FFFFFF"/>
-              </a:buClr>
-              <a:buSzPts val="2800"/>
-              <a:buFont typeface="Arial"/>
-              <a:buNone/>
-            </a:pPr>
             <a:r>
-              <a:rPr lang="en-US" sz="2800" b="0" i="0" u="none" strike="noStrike" cap="none">
+              <a:rPr lang="en-US" sz="2800" b="0" i="0" u="none" strike="noStrike" cap="none" dirty="0">
                 <a:solidFill>
                   <a:srgbClr val="FFFFFF"/>
                 </a:solidFill>
@@ -18311,9 +18142,144 @@
                 <a:cs typeface="Arial"/>
                 <a:sym typeface="Arial"/>
               </a:rPr>
-              <a:t>*** 別忘了過程中說明與解釋您的操作步驟。</a:t>
+              <a:t> Docker </a:t>
             </a:r>
-            <a:endParaRPr sz="2800" b="0" i="0" u="none" strike="noStrike" cap="none">
+            <a:r>
+              <a:rPr lang="en-US" sz="2800" b="0" i="0" u="none" strike="noStrike" cap="none" dirty="0" err="1">
+                <a:solidFill>
+                  <a:srgbClr val="FFFFFF"/>
+                </a:solidFill>
+                <a:latin typeface="Arial"/>
+                <a:ea typeface="Arial"/>
+                <a:cs typeface="Arial"/>
+                <a:sym typeface="Arial"/>
+              </a:rPr>
+              <a:t>建立</a:t>
+            </a:r>
+            <a:r>
+              <a:rPr lang="en-US" sz="2800" b="0" i="0" u="none" strike="noStrike" cap="none" dirty="0">
+                <a:solidFill>
+                  <a:srgbClr val="FFFFFF"/>
+                </a:solidFill>
+                <a:latin typeface="Arial"/>
+                <a:ea typeface="Arial"/>
+                <a:cs typeface="Arial"/>
+                <a:sym typeface="Arial"/>
+              </a:rPr>
+              <a:t> </a:t>
+            </a:r>
+            <a:r>
+              <a:rPr lang="en-US" sz="2800" b="0" i="0" u="none" strike="noStrike" cap="none" dirty="0" err="1">
+                <a:solidFill>
+                  <a:srgbClr val="FFFFFF"/>
+                </a:solidFill>
+                <a:latin typeface="Arial"/>
+                <a:ea typeface="Arial"/>
+                <a:cs typeface="Arial"/>
+                <a:sym typeface="Arial"/>
+              </a:rPr>
+              <a:t>Image</a:t>
+            </a:r>
+            <a:r>
+              <a:rPr lang="en-US" sz="2800" dirty="0" err="1">
+                <a:solidFill>
+                  <a:srgbClr val="FFFFFF"/>
+                </a:solidFill>
+                <a:latin typeface="Arial"/>
+                <a:ea typeface="Arial"/>
+                <a:cs typeface="Arial"/>
+                <a:sym typeface="Arial"/>
+              </a:rPr>
+              <a:t>，並執行該</a:t>
+            </a:r>
+            <a:r>
+              <a:rPr lang="en-US" sz="2800" dirty="0">
+                <a:solidFill>
+                  <a:srgbClr val="FFFFFF"/>
+                </a:solidFill>
+                <a:latin typeface="Arial"/>
+                <a:ea typeface="Arial"/>
+                <a:cs typeface="Arial"/>
+                <a:sym typeface="Arial"/>
+              </a:rPr>
+              <a:t> </a:t>
+            </a:r>
+            <a:r>
+              <a:rPr lang="en-US" sz="2800" dirty="0" err="1">
+                <a:solidFill>
+                  <a:srgbClr val="FFFFFF"/>
+                </a:solidFill>
+                <a:latin typeface="Arial"/>
+                <a:ea typeface="Arial"/>
+                <a:cs typeface="Arial"/>
+                <a:sym typeface="Arial"/>
+              </a:rPr>
+              <a:t>Container，其內容可以是程序執行、各種伺服器服務等</a:t>
+            </a:r>
+            <a:r>
+              <a:rPr lang="en-US" sz="2800" dirty="0">
+                <a:solidFill>
+                  <a:srgbClr val="FFFFFF"/>
+                </a:solidFill>
+              </a:rPr>
+              <a:t>。</a:t>
+            </a:r>
+          </a:p>
+          <a:p>
+            <a:pPr marL="0" marR="0" lvl="0" indent="0" algn="l" rtl="0">
+              <a:lnSpc>
+                <a:spcPct val="150000"/>
+              </a:lnSpc>
+              <a:spcBef>
+                <a:spcPts val="0"/>
+              </a:spcBef>
+              <a:spcAft>
+                <a:spcPts val="0"/>
+              </a:spcAft>
+              <a:buClr>
+                <a:srgbClr val="FFFFFF"/>
+              </a:buClr>
+              <a:buSzPts val="2800"/>
+              <a:buFont typeface="Arial"/>
+              <a:buNone/>
+            </a:pPr>
+            <a:r>
+              <a:rPr lang="en-US" sz="2800" b="0" i="0" u="none" strike="noStrike" cap="none" dirty="0">
+                <a:solidFill>
+                  <a:srgbClr val="FFFFFF"/>
+                </a:solidFill>
+                <a:latin typeface="Arial"/>
+                <a:ea typeface="Arial"/>
+                <a:cs typeface="Arial"/>
+                <a:sym typeface="Arial"/>
+              </a:rPr>
+              <a:t>*** </a:t>
+            </a:r>
+            <a:r>
+              <a:rPr lang="en-US" sz="2800" b="0" i="0" u="none" strike="noStrike" cap="none" dirty="0" err="1">
+                <a:solidFill>
+                  <a:srgbClr val="FFFFFF"/>
+                </a:solidFill>
+                <a:latin typeface="Arial"/>
+                <a:ea typeface="Arial"/>
+                <a:cs typeface="Arial"/>
+                <a:sym typeface="Arial"/>
+              </a:rPr>
+              <a:t>別忘了過程中說明與解釋您的操作步驟</a:t>
+            </a:r>
+            <a:r>
+              <a:rPr lang="en-US" sz="2800" b="0" i="0" u="none" strike="noStrike" cap="none" dirty="0">
+                <a:solidFill>
+                  <a:srgbClr val="FFFFFF"/>
+                </a:solidFill>
+                <a:latin typeface="Arial"/>
+                <a:ea typeface="Arial"/>
+                <a:cs typeface="Arial"/>
+                <a:sym typeface="Arial"/>
+              </a:rPr>
+              <a:t>。</a:t>
+            </a:r>
+            <a:endParaRPr sz="2800" b="0" i="0" u="none" strike="noStrike" cap="none" dirty="0">
               <a:solidFill>
                 <a:srgbClr val="FFFFFF"/>
               </a:solidFill>
@@ -18368,7 +18334,7 @@
               <a:buNone/>
             </a:pPr>
             <a:r>
-              <a:rPr lang="en-US" sz="3200" b="0" i="0" u="none" strike="noStrike" cap="none">
+              <a:rPr lang="en-US" sz="3200" b="0" i="0" u="none" strike="noStrike" cap="none" dirty="0">
                 <a:solidFill>
                   <a:srgbClr val="FFFFFF"/>
                 </a:solidFill>
@@ -18377,9 +18343,29 @@
                 <a:cs typeface="Arial"/>
                 <a:sym typeface="Arial"/>
               </a:rPr>
-              <a:t>Create a Docker Container or Build your own Project Services</a:t>
+              <a:t>Create a Docker </a:t>
             </a:r>
-            <a:endParaRPr sz="3200" b="0" i="0" u="none" strike="noStrike" cap="none">
+            <a:r>
+              <a:rPr lang="en-US" sz="3200" dirty="0">
+                <a:solidFill>
+                  <a:srgbClr val="FFFFFF"/>
+                </a:solidFill>
+              </a:rPr>
+              <a:t>Image</a:t>
+            </a:r>
+            <a:r>
+              <a:rPr lang="en-US" sz="3200" b="0" i="0" u="none" strike="noStrike" cap="none" dirty="0">
+                <a:solidFill>
+                  <a:srgbClr val="FFFFFF"/>
+                </a:solidFill>
+                <a:latin typeface="Arial"/>
+                <a:ea typeface="Arial"/>
+                <a:cs typeface="Arial"/>
+                <a:sym typeface="Arial"/>
+              </a:rPr>
+              <a:t> or Build your own Project Services</a:t>
+            </a:r>
+            <a:endParaRPr sz="3200" b="0" i="0" u="none" strike="noStrike" cap="none" dirty="0">
               <a:solidFill>
                 <a:srgbClr val="FFFFFF"/>
               </a:solidFill>
